--- a/Nithiga..pptx
+++ b/Nithiga..pptx
@@ -1094,7 +1094,7 @@
     </p:spTree>
     <p:extLst>
       <p:ext uri="{BB962C8B-B14F-4D97-AF65-F5344CB8AC3E}">
-        <p14:creationId xmlns:p14="http://schemas.microsoft.com/office/powerpoint/2010/main" val="747680932"/>
+        <p14:creationId xmlns:p14="http://schemas.microsoft.com/office/powerpoint/2010/main" val="439323414"/>
       </p:ext>
     </p:extLst>
   </p:cSld>
@@ -1418,7 +1418,7 @@
     </p:spTree>
     <p:extLst>
       <p:ext uri="{BB962C8B-B14F-4D97-AF65-F5344CB8AC3E}">
-        <p14:creationId xmlns:p14="http://schemas.microsoft.com/office/powerpoint/2010/main" val="1500968469"/>
+        <p14:creationId xmlns:p14="http://schemas.microsoft.com/office/powerpoint/2010/main" val="398121103"/>
       </p:ext>
     </p:extLst>
   </p:cSld>
@@ -1528,7 +1528,7 @@
     </p:spTree>
     <p:extLst>
       <p:ext uri="{BB962C8B-B14F-4D97-AF65-F5344CB8AC3E}">
-        <p14:creationId xmlns:p14="http://schemas.microsoft.com/office/powerpoint/2010/main" val="1375057176"/>
+        <p14:creationId xmlns:p14="http://schemas.microsoft.com/office/powerpoint/2010/main" val="857621666"/>
       </p:ext>
     </p:extLst>
   </p:cSld>
@@ -1638,7 +1638,7 @@
     </p:spTree>
     <p:extLst>
       <p:ext uri="{BB962C8B-B14F-4D97-AF65-F5344CB8AC3E}">
-        <p14:creationId xmlns:p14="http://schemas.microsoft.com/office/powerpoint/2010/main" val="1140607655"/>
+        <p14:creationId xmlns:p14="http://schemas.microsoft.com/office/powerpoint/2010/main" val="799430295"/>
       </p:ext>
     </p:extLst>
   </p:cSld>
@@ -1748,7 +1748,7 @@
     </p:spTree>
     <p:extLst>
       <p:ext uri="{BB962C8B-B14F-4D97-AF65-F5344CB8AC3E}">
-        <p14:creationId xmlns:p14="http://schemas.microsoft.com/office/powerpoint/2010/main" val="61694215"/>
+        <p14:creationId xmlns:p14="http://schemas.microsoft.com/office/powerpoint/2010/main" val="164868564"/>
       </p:ext>
     </p:extLst>
   </p:cSld>
@@ -1858,7 +1858,7 @@
     </p:spTree>
     <p:extLst>
       <p:ext uri="{BB962C8B-B14F-4D97-AF65-F5344CB8AC3E}">
-        <p14:creationId xmlns:p14="http://schemas.microsoft.com/office/powerpoint/2010/main" val="288294696"/>
+        <p14:creationId xmlns:p14="http://schemas.microsoft.com/office/powerpoint/2010/main" val="1164625027"/>
       </p:ext>
     </p:extLst>
   </p:cSld>
@@ -1968,7 +1968,7 @@
     </p:spTree>
     <p:extLst>
       <p:ext uri="{BB962C8B-B14F-4D97-AF65-F5344CB8AC3E}">
-        <p14:creationId xmlns:p14="http://schemas.microsoft.com/office/powerpoint/2010/main" val="1864391677"/>
+        <p14:creationId xmlns:p14="http://schemas.microsoft.com/office/powerpoint/2010/main" val="1732274275"/>
       </p:ext>
     </p:extLst>
   </p:cSld>
@@ -2078,7 +2078,7 @@
     </p:spTree>
     <p:extLst>
       <p:ext uri="{BB962C8B-B14F-4D97-AF65-F5344CB8AC3E}">
-        <p14:creationId xmlns:p14="http://schemas.microsoft.com/office/powerpoint/2010/main" val="1674977344"/>
+        <p14:creationId xmlns:p14="http://schemas.microsoft.com/office/powerpoint/2010/main" val="469092034"/>
       </p:ext>
     </p:extLst>
   </p:cSld>
@@ -2188,7 +2188,7 @@
     </p:spTree>
     <p:extLst>
       <p:ext uri="{BB962C8B-B14F-4D97-AF65-F5344CB8AC3E}">
-        <p14:creationId xmlns:p14="http://schemas.microsoft.com/office/powerpoint/2010/main" val="1746440441"/>
+        <p14:creationId xmlns:p14="http://schemas.microsoft.com/office/powerpoint/2010/main" val="1415414395"/>
       </p:ext>
     </p:extLst>
   </p:cSld>
@@ -2298,7 +2298,7 @@
     </p:spTree>
     <p:extLst>
       <p:ext uri="{BB962C8B-B14F-4D97-AF65-F5344CB8AC3E}">
-        <p14:creationId xmlns:p14="http://schemas.microsoft.com/office/powerpoint/2010/main" val="385402236"/>
+        <p14:creationId xmlns:p14="http://schemas.microsoft.com/office/powerpoint/2010/main" val="1641786383"/>
       </p:ext>
     </p:extLst>
   </p:cSld>
@@ -2408,7 +2408,7 @@
     </p:spTree>
     <p:extLst>
       <p:ext uri="{BB962C8B-B14F-4D97-AF65-F5344CB8AC3E}">
-        <p14:creationId xmlns:p14="http://schemas.microsoft.com/office/powerpoint/2010/main" val="339435612"/>
+        <p14:creationId xmlns:p14="http://schemas.microsoft.com/office/powerpoint/2010/main" val="1249683153"/>
       </p:ext>
     </p:extLst>
   </p:cSld>
@@ -2518,7 +2518,7 @@
     </p:spTree>
     <p:extLst>
       <p:ext uri="{BB962C8B-B14F-4D97-AF65-F5344CB8AC3E}">
-        <p14:creationId xmlns:p14="http://schemas.microsoft.com/office/powerpoint/2010/main" val="413176374"/>
+        <p14:creationId xmlns:p14="http://schemas.microsoft.com/office/powerpoint/2010/main" val="1110416865"/>
       </p:ext>
     </p:extLst>
   </p:cSld>
@@ -2628,7 +2628,7 @@
     </p:spTree>
     <p:extLst>
       <p:ext uri="{BB962C8B-B14F-4D97-AF65-F5344CB8AC3E}">
-        <p14:creationId xmlns:p14="http://schemas.microsoft.com/office/powerpoint/2010/main" val="1251330327"/>
+        <p14:creationId xmlns:p14="http://schemas.microsoft.com/office/powerpoint/2010/main" val="2108229940"/>
       </p:ext>
     </p:extLst>
   </p:cSld>
@@ -2639,11 +2639,11 @@
 </file>
 
 <file path=ppt/slideLayouts/slideLayout1.xml><?xml version="1.0" encoding="utf-8"?>
-<p:sldLayout xmlns:p="http://schemas.openxmlformats.org/presentationml/2006/main" xmlns:a="http://schemas.openxmlformats.org/drawingml/2006/main" xmlns:r="http://schemas.openxmlformats.org/officeDocument/2006/relationships" showMasterSp="0" type="title" preserve="1">
+<p:sldLayout xmlns:p="http://schemas.openxmlformats.org/presentationml/2006/main" showMasterSp="0" type="title" preserve="1">
   <p:cSld name="标题幻灯片">
     <p:bg>
       <p:bgPr>
-        <a:solidFill>
+        <a:solidFill xmlns:a="http://schemas.openxmlformats.org/drawingml/2006/main">
           <a:schemeClr val="bg1"/>
         </a:solidFill>
       </p:bgPr>
@@ -2655,7 +2655,7 @@
         <p:nvPr/>
       </p:nvGrpSpPr>
       <p:grpSpPr>
-        <a:xfrm>
+        <a:xfrm xmlns:a="http://schemas.openxmlformats.org/drawingml/2006/main">
           <a:off x="0" y="0"/>
           <a:ext cx="0" cy="0"/>
           <a:chOff x="0" y="0"/>
@@ -2666,12 +2666,12 @@
         <p:nvGrpSpPr>
           <p:cNvPr id="34" name="组合"/>
           <p:cNvGrpSpPr>
-            <a:grpSpLocks/>
+            <a:grpSpLocks xmlns:a="http://schemas.openxmlformats.org/drawingml/2006/main"/>
           </p:cNvGrpSpPr>
           <p:nvPr/>
         </p:nvGrpSpPr>
         <p:grpSpPr>
-          <a:xfrm>
+          <a:xfrm xmlns:a="http://schemas.openxmlformats.org/drawingml/2006/main">
             <a:off x="0" y="-8467"/>
             <a:ext cx="12192000" cy="6866467"/>
             <a:chOff x="0" y="-8467"/>
@@ -2682,18 +2682,18 @@
           <p:nvSpPr>
             <p:cNvPr id="24" name="直线"/>
             <p:cNvSpPr>
-              <a:spLocks/>
+              <a:spLocks xmlns:a="http://schemas.openxmlformats.org/drawingml/2006/main"/>
             </p:cNvSpPr>
             <p:nvPr/>
           </p:nvSpPr>
           <p:spPr>
-            <a:xfrm rot="0">
+            <a:xfrm xmlns:a="http://schemas.openxmlformats.org/drawingml/2006/main" rot="0">
               <a:off x="9371012" y="0"/>
               <a:ext cx="1219200" cy="6858000"/>
             </a:xfrm>
-            <a:prstGeom prst="line"/>
-            <a:noFill/>
-            <a:ln w="9525" cmpd="sng" cap="flat">
+            <a:prstGeom xmlns:a="http://schemas.openxmlformats.org/drawingml/2006/main" prst="line"/>
+            <a:noFill xmlns:a="http://schemas.openxmlformats.org/drawingml/2006/main"/>
+            <a:ln xmlns:a="http://schemas.openxmlformats.org/drawingml/2006/main" w="9525" cmpd="sng" cap="flat">
               <a:solidFill>
                 <a:srgbClr val="BFBFBF"/>
               </a:solidFill>
@@ -2706,18 +2706,18 @@
           <p:nvSpPr>
             <p:cNvPr id="25" name="直线"/>
             <p:cNvSpPr>
-              <a:spLocks/>
+              <a:spLocks xmlns:a="http://schemas.openxmlformats.org/drawingml/2006/main"/>
             </p:cNvSpPr>
             <p:nvPr/>
           </p:nvSpPr>
           <p:spPr>
-            <a:xfrm flipH="1" rot="0">
+            <a:xfrm xmlns:a="http://schemas.openxmlformats.org/drawingml/2006/main" flipH="1" rot="0">
               <a:off x="7425267" y="3681413"/>
               <a:ext cx="4763559" cy="3176587"/>
             </a:xfrm>
-            <a:prstGeom prst="line"/>
-            <a:noFill/>
-            <a:ln w="9525" cmpd="sng" cap="flat">
+            <a:prstGeom xmlns:a="http://schemas.openxmlformats.org/drawingml/2006/main" prst="line"/>
+            <a:noFill xmlns:a="http://schemas.openxmlformats.org/drawingml/2006/main"/>
+            <a:ln xmlns:a="http://schemas.openxmlformats.org/drawingml/2006/main" w="9525" cmpd="sng" cap="flat">
               <a:solidFill>
                 <a:srgbClr val="D8D8D8"/>
               </a:solidFill>
@@ -2730,16 +2730,16 @@
           <p:nvSpPr>
             <p:cNvPr id="26" name="曲线"/>
             <p:cNvSpPr>
-              <a:spLocks/>
+              <a:spLocks xmlns:a="http://schemas.openxmlformats.org/drawingml/2006/main"/>
             </p:cNvSpPr>
             <p:nvPr/>
           </p:nvSpPr>
           <p:spPr>
-            <a:xfrm rot="0">
+            <a:xfrm xmlns:a="http://schemas.openxmlformats.org/drawingml/2006/main" rot="0">
               <a:off x="9181476" y="-8467"/>
               <a:ext cx="3007349" cy="6866467"/>
             </a:xfrm>
-            <a:custGeom>
+            <a:custGeom xmlns:a="http://schemas.openxmlformats.org/drawingml/2006/main">
               <a:gdLst>
                 <a:gd name="T1" fmla="*/ 0 w 21600"/>
                 <a:gd name="T2" fmla="*/ 0 h 21600"/>
@@ -2768,12 +2768,12 @@
                 </a:path>
               </a:pathLst>
             </a:custGeom>
-            <a:solidFill>
+            <a:solidFill xmlns:a="http://schemas.openxmlformats.org/drawingml/2006/main">
               <a:srgbClr val="D34817">
                 <a:alpha val="30000"/>
               </a:srgbClr>
             </a:solidFill>
-            <a:ln w="12700" cmpd="sng" cap="flat">
+            <a:ln xmlns:a="http://schemas.openxmlformats.org/drawingml/2006/main" w="12700" cmpd="sng" cap="flat">
               <a:noFill/>
               <a:prstDash val="solid"/>
               <a:round/>
@@ -2784,16 +2784,16 @@
           <p:nvSpPr>
             <p:cNvPr id="27" name="曲线"/>
             <p:cNvSpPr>
-              <a:spLocks/>
+              <a:spLocks xmlns:a="http://schemas.openxmlformats.org/drawingml/2006/main"/>
             </p:cNvSpPr>
             <p:nvPr/>
           </p:nvSpPr>
           <p:spPr>
-            <a:xfrm rot="0">
+            <a:xfrm xmlns:a="http://schemas.openxmlformats.org/drawingml/2006/main" rot="0">
               <a:off x="9603442" y="-8467"/>
               <a:ext cx="2588558" cy="6866467"/>
             </a:xfrm>
-            <a:custGeom>
+            <a:custGeom xmlns:a="http://schemas.openxmlformats.org/drawingml/2006/main">
               <a:gdLst>
                 <a:gd name="T1" fmla="*/ 0 w 21600"/>
                 <a:gd name="T2" fmla="*/ 0 h 21600"/>
@@ -2822,12 +2822,12 @@
                 </a:path>
               </a:pathLst>
             </a:custGeom>
-            <a:solidFill>
+            <a:solidFill xmlns:a="http://schemas.openxmlformats.org/drawingml/2006/main">
               <a:srgbClr val="D34817">
                 <a:alpha val="20000"/>
               </a:srgbClr>
             </a:solidFill>
-            <a:ln w="12700" cmpd="sng" cap="flat">
+            <a:ln xmlns:a="http://schemas.openxmlformats.org/drawingml/2006/main" w="12700" cmpd="sng" cap="flat">
               <a:noFill/>
               <a:prstDash val="solid"/>
               <a:round/>
@@ -2838,26 +2838,26 @@
           <p:nvSpPr>
             <p:cNvPr id="28" name="等腰三角形"/>
             <p:cNvSpPr>
-              <a:spLocks/>
+              <a:spLocks xmlns:a="http://schemas.openxmlformats.org/drawingml/2006/main"/>
             </p:cNvSpPr>
             <p:nvPr/>
           </p:nvSpPr>
           <p:spPr>
-            <a:xfrm rot="0">
+            <a:xfrm xmlns:a="http://schemas.openxmlformats.org/drawingml/2006/main" rot="0">
               <a:off x="8932333" y="3048000"/>
               <a:ext cx="3259667" cy="3810000"/>
             </a:xfrm>
-            <a:prstGeom prst="triangle">
+            <a:prstGeom xmlns:a="http://schemas.openxmlformats.org/drawingml/2006/main" prst="triangle">
               <a:avLst>
                 <a:gd name="adj" fmla="val 100000"/>
               </a:avLst>
             </a:prstGeom>
-            <a:solidFill>
+            <a:solidFill xmlns:a="http://schemas.openxmlformats.org/drawingml/2006/main">
               <a:srgbClr val="9B2D1F">
                 <a:alpha val="72000"/>
               </a:srgbClr>
             </a:solidFill>
-            <a:ln w="12700" cmpd="sng" cap="flat">
+            <a:ln xmlns:a="http://schemas.openxmlformats.org/drawingml/2006/main" w="12700" cmpd="sng" cap="flat">
               <a:noFill/>
               <a:prstDash val="solid"/>
               <a:round/>
@@ -2868,16 +2868,16 @@
           <p:nvSpPr>
             <p:cNvPr id="29" name="曲线"/>
             <p:cNvSpPr>
-              <a:spLocks/>
+              <a:spLocks xmlns:a="http://schemas.openxmlformats.org/drawingml/2006/main"/>
             </p:cNvSpPr>
             <p:nvPr/>
           </p:nvSpPr>
           <p:spPr>
-            <a:xfrm rot="0">
+            <a:xfrm xmlns:a="http://schemas.openxmlformats.org/drawingml/2006/main" rot="0">
               <a:off x="9334500" y="-8467"/>
               <a:ext cx="2854325" cy="6866467"/>
             </a:xfrm>
-            <a:custGeom>
+            <a:custGeom xmlns:a="http://schemas.openxmlformats.org/drawingml/2006/main">
               <a:gdLst>
                 <a:gd name="T1" fmla="*/ 0 w 21600"/>
                 <a:gd name="T2" fmla="*/ 0 h 21600"/>
@@ -2906,12 +2906,12 @@
                 </a:path>
               </a:pathLst>
             </a:custGeom>
-            <a:solidFill>
+            <a:solidFill xmlns:a="http://schemas.openxmlformats.org/drawingml/2006/main">
               <a:srgbClr val="732217">
                 <a:alpha val="70000"/>
               </a:srgbClr>
             </a:solidFill>
-            <a:ln w="12700" cmpd="sng" cap="flat">
+            <a:ln xmlns:a="http://schemas.openxmlformats.org/drawingml/2006/main" w="12700" cmpd="sng" cap="flat">
               <a:noFill/>
               <a:prstDash val="solid"/>
               <a:round/>
@@ -2922,16 +2922,16 @@
           <p:nvSpPr>
             <p:cNvPr id="30" name="曲线"/>
             <p:cNvSpPr>
-              <a:spLocks/>
+              <a:spLocks xmlns:a="http://schemas.openxmlformats.org/drawingml/2006/main"/>
             </p:cNvSpPr>
             <p:nvPr/>
           </p:nvSpPr>
           <p:spPr>
-            <a:xfrm rot="0">
+            <a:xfrm xmlns:a="http://schemas.openxmlformats.org/drawingml/2006/main" rot="0">
               <a:off x="10898729" y="-8467"/>
               <a:ext cx="1290094" cy="6866467"/>
             </a:xfrm>
-            <a:custGeom>
+            <a:custGeom xmlns:a="http://schemas.openxmlformats.org/drawingml/2006/main">
               <a:gdLst>
                 <a:gd name="T1" fmla="*/ 0 w 21600"/>
                 <a:gd name="T2" fmla="*/ 0 h 21600"/>
@@ -2960,12 +2960,12 @@
                 </a:path>
               </a:pathLst>
             </a:custGeom>
-            <a:solidFill>
+            <a:solidFill xmlns:a="http://schemas.openxmlformats.org/drawingml/2006/main">
               <a:srgbClr val="EE8D6A">
                 <a:alpha val="70000"/>
               </a:srgbClr>
             </a:solidFill>
-            <a:ln w="12700" cmpd="sng" cap="flat">
+            <a:ln xmlns:a="http://schemas.openxmlformats.org/drawingml/2006/main" w="12700" cmpd="sng" cap="flat">
               <a:noFill/>
               <a:prstDash val="solid"/>
               <a:round/>
@@ -2976,16 +2976,16 @@
           <p:nvSpPr>
             <p:cNvPr id="31" name="曲线"/>
             <p:cNvSpPr>
-              <a:spLocks/>
+              <a:spLocks xmlns:a="http://schemas.openxmlformats.org/drawingml/2006/main"/>
             </p:cNvSpPr>
             <p:nvPr/>
           </p:nvSpPr>
           <p:spPr>
-            <a:xfrm rot="0">
+            <a:xfrm xmlns:a="http://schemas.openxmlformats.org/drawingml/2006/main" rot="0">
               <a:off x="10939000" y="-8467"/>
               <a:ext cx="1249824" cy="6866467"/>
             </a:xfrm>
-            <a:custGeom>
+            <a:custGeom xmlns:a="http://schemas.openxmlformats.org/drawingml/2006/main">
               <a:gdLst>
                 <a:gd name="T1" fmla="*/ 0 w 21600"/>
                 <a:gd name="T2" fmla="*/ 0 h 21600"/>
@@ -3014,12 +3014,12 @@
                 </a:path>
               </a:pathLst>
             </a:custGeom>
-            <a:solidFill>
+            <a:solidFill xmlns:a="http://schemas.openxmlformats.org/drawingml/2006/main">
               <a:srgbClr val="D34817">
                 <a:alpha val="65000"/>
               </a:srgbClr>
             </a:solidFill>
-            <a:ln w="12700" cmpd="sng" cap="flat">
+            <a:ln xmlns:a="http://schemas.openxmlformats.org/drawingml/2006/main" w="12700" cmpd="sng" cap="flat">
               <a:noFill/>
               <a:prstDash val="solid"/>
               <a:round/>
@@ -3030,26 +3030,26 @@
           <p:nvSpPr>
             <p:cNvPr id="32" name="等腰三角形"/>
             <p:cNvSpPr>
-              <a:spLocks/>
+              <a:spLocks xmlns:a="http://schemas.openxmlformats.org/drawingml/2006/main"/>
             </p:cNvSpPr>
             <p:nvPr/>
           </p:nvSpPr>
           <p:spPr>
-            <a:xfrm rot="0">
+            <a:xfrm xmlns:a="http://schemas.openxmlformats.org/drawingml/2006/main" rot="0">
               <a:off x="10371666" y="3589866"/>
               <a:ext cx="1817159" cy="3268133"/>
             </a:xfrm>
-            <a:prstGeom prst="triangle">
+            <a:prstGeom xmlns:a="http://schemas.openxmlformats.org/drawingml/2006/main" prst="triangle">
               <a:avLst>
                 <a:gd name="adj" fmla="val 100000"/>
               </a:avLst>
             </a:prstGeom>
-            <a:solidFill>
+            <a:solidFill xmlns:a="http://schemas.openxmlformats.org/drawingml/2006/main">
               <a:srgbClr val="D34817">
                 <a:alpha val="80000"/>
               </a:srgbClr>
             </a:solidFill>
-            <a:ln w="12700" cmpd="sng" cap="flat">
+            <a:ln xmlns:a="http://schemas.openxmlformats.org/drawingml/2006/main" w="12700" cmpd="sng" cap="flat">
               <a:noFill/>
               <a:prstDash val="solid"/>
               <a:round/>
@@ -3060,26 +3060,26 @@
           <p:nvSpPr>
             <p:cNvPr id="33" name="等腰三角形"/>
             <p:cNvSpPr>
-              <a:spLocks/>
+              <a:spLocks xmlns:a="http://schemas.openxmlformats.org/drawingml/2006/main"/>
             </p:cNvSpPr>
             <p:nvPr/>
           </p:nvSpPr>
           <p:spPr>
-            <a:xfrm rot="10800000">
+            <a:xfrm xmlns:a="http://schemas.openxmlformats.org/drawingml/2006/main" rot="10800000">
               <a:off x="0" y="0"/>
               <a:ext cx="842596" cy="5666154"/>
             </a:xfrm>
-            <a:prstGeom prst="triangle">
+            <a:prstGeom xmlns:a="http://schemas.openxmlformats.org/drawingml/2006/main" prst="triangle">
               <a:avLst>
                 <a:gd name="adj" fmla="val 100000"/>
               </a:avLst>
             </a:prstGeom>
-            <a:solidFill>
+            <a:solidFill xmlns:a="http://schemas.openxmlformats.org/drawingml/2006/main">
               <a:srgbClr val="D34817">
                 <a:alpha val="85000"/>
               </a:srgbClr>
             </a:solidFill>
-            <a:ln w="12700" cmpd="sng" cap="flat">
+            <a:ln xmlns:a="http://schemas.openxmlformats.org/drawingml/2006/main" w="12700" cmpd="sng" cap="flat">
               <a:noFill/>
               <a:prstDash val="solid"/>
               <a:round/>
@@ -3091,31 +3091,31 @@
         <p:nvSpPr>
           <p:cNvPr id="35" name="文本框"/>
           <p:cNvSpPr>
-            <a:spLocks noGrp="1"/>
+            <a:spLocks xmlns:a="http://schemas.openxmlformats.org/drawingml/2006/main" noGrp="1"/>
           </p:cNvSpPr>
           <p:nvPr>
             <p:ph type="ctrTitle"/>
           </p:nvPr>
         </p:nvSpPr>
         <p:spPr>
-          <a:xfrm rot="0">
+          <a:xfrm xmlns:a="http://schemas.openxmlformats.org/drawingml/2006/main" rot="0">
             <a:off x="1507067" y="2404534"/>
             <a:ext cx="7766935" cy="1646302"/>
           </a:xfrm>
-          <a:prstGeom prst="rect"/>
-          <a:noFill/>
-          <a:ln w="12700" cmpd="sng" cap="flat">
+          <a:prstGeom xmlns:a="http://schemas.openxmlformats.org/drawingml/2006/main" prst="rect"/>
+          <a:noFill xmlns:a="http://schemas.openxmlformats.org/drawingml/2006/main"/>
+          <a:ln xmlns:a="http://schemas.openxmlformats.org/drawingml/2006/main" w="12700" cmpd="sng" cap="flat">
             <a:noFill/>
             <a:prstDash val="solid"/>
             <a:miter/>
           </a:ln>
         </p:spPr>
         <p:txBody>
-          <a:bodyPr vert="horz" wrap="square" lIns="91440" tIns="45720" rIns="91440" bIns="45720" anchor="b" anchorCtr="0">
+          <a:bodyPr xmlns:a="http://schemas.openxmlformats.org/drawingml/2006/main" vert="horz" wrap="square" lIns="91440" tIns="45720" rIns="91440" bIns="45720" anchor="b" anchorCtr="0">
             <a:prstTxWarp prst="textNoShape"/>
           </a:bodyPr>
-          <a:lstStyle/>
-          <a:p>
+          <a:lstStyle xmlns:a="http://schemas.openxmlformats.org/drawingml/2006/main"/>
+          <a:p xmlns:a="http://schemas.openxmlformats.org/drawingml/2006/main">
             <a:pPr marL="0" indent="0" algn="r">
               <a:lnSpc>
                 <a:spcPct val="100000"/>
@@ -3154,31 +3154,31 @@
         <p:nvSpPr>
           <p:cNvPr id="36" name="文本框"/>
           <p:cNvSpPr>
-            <a:spLocks noGrp="1"/>
+            <a:spLocks xmlns:a="http://schemas.openxmlformats.org/drawingml/2006/main" noGrp="1"/>
           </p:cNvSpPr>
           <p:nvPr>
             <p:ph type="subTitle" idx="1"/>
           </p:nvPr>
         </p:nvSpPr>
         <p:spPr>
-          <a:xfrm rot="0">
+          <a:xfrm xmlns:a="http://schemas.openxmlformats.org/drawingml/2006/main" rot="0">
             <a:off x="1507067" y="4050833"/>
             <a:ext cx="7766935" cy="1096899"/>
           </a:xfrm>
-          <a:prstGeom prst="rect"/>
-          <a:noFill/>
-          <a:ln w="12700" cmpd="sng" cap="flat">
+          <a:prstGeom xmlns:a="http://schemas.openxmlformats.org/drawingml/2006/main" prst="rect"/>
+          <a:noFill xmlns:a="http://schemas.openxmlformats.org/drawingml/2006/main"/>
+          <a:ln xmlns:a="http://schemas.openxmlformats.org/drawingml/2006/main" w="12700" cmpd="sng" cap="flat">
             <a:noFill/>
             <a:prstDash val="solid"/>
             <a:miter/>
           </a:ln>
         </p:spPr>
         <p:txBody>
-          <a:bodyPr vert="horz" wrap="square" lIns="91440" tIns="45720" rIns="91440" bIns="45720" anchor="t" anchorCtr="0">
+          <a:bodyPr xmlns:a="http://schemas.openxmlformats.org/drawingml/2006/main" vert="horz" wrap="square" lIns="91440" tIns="45720" rIns="91440" bIns="45720" anchor="t" anchorCtr="0">
             <a:prstTxWarp prst="textNoShape"/>
           </a:bodyPr>
-          <a:lstStyle/>
-          <a:p>
+          <a:lstStyle xmlns:a="http://schemas.openxmlformats.org/drawingml/2006/main"/>
+          <a:p xmlns:a="http://schemas.openxmlformats.org/drawingml/2006/main">
             <a:pPr marL="0" indent="0" algn="r">
               <a:lnSpc>
                 <a:spcPct val="100000"/>
@@ -3217,31 +3217,31 @@
         <p:nvSpPr>
           <p:cNvPr id="37" name="文本框"/>
           <p:cNvSpPr>
-            <a:spLocks noGrp="1"/>
+            <a:spLocks xmlns:a="http://schemas.openxmlformats.org/drawingml/2006/main" noGrp="1"/>
           </p:cNvSpPr>
           <p:nvPr>
             <p:ph type="dt" idx="10"/>
           </p:nvPr>
         </p:nvSpPr>
         <p:spPr>
-          <a:xfrm rot="0">
+          <a:xfrm xmlns:a="http://schemas.openxmlformats.org/drawingml/2006/main" rot="0">
             <a:off x="7205133" y="6041362"/>
             <a:ext cx="911939" cy="365125"/>
           </a:xfrm>
-          <a:prstGeom prst="rect"/>
-          <a:noFill/>
-          <a:ln cmpd="sng" cap="flat">
+          <a:prstGeom xmlns:a="http://schemas.openxmlformats.org/drawingml/2006/main" prst="rect"/>
+          <a:noFill xmlns:a="http://schemas.openxmlformats.org/drawingml/2006/main"/>
+          <a:ln xmlns:a="http://schemas.openxmlformats.org/drawingml/2006/main" cmpd="sng" cap="flat">
             <a:noFill/>
             <a:prstDash val="solid"/>
             <a:miter/>
           </a:ln>
         </p:spPr>
         <p:txBody>
-          <a:bodyPr vert="horz" wrap="square" lIns="91440" tIns="45720" rIns="91440" bIns="45720" anchor="ctr" anchorCtr="0">
+          <a:bodyPr xmlns:a="http://schemas.openxmlformats.org/drawingml/2006/main" vert="horz" wrap="square" lIns="91440" tIns="45720" rIns="91440" bIns="45720" anchor="ctr" anchorCtr="0">
             <a:prstTxWarp prst="textNoShape"/>
           </a:bodyPr>
-          <a:lstStyle/>
-          <a:p>
+          <a:lstStyle xmlns:a="http://schemas.openxmlformats.org/drawingml/2006/main"/>
+          <a:p xmlns:a="http://schemas.openxmlformats.org/drawingml/2006/main">
             <a:pPr marL="0" indent="0" algn="r">
               <a:lnSpc>
                 <a:spcPct val="100000"/>
@@ -3269,31 +3269,31 @@
         <p:nvSpPr>
           <p:cNvPr id="38" name="文本框"/>
           <p:cNvSpPr>
-            <a:spLocks noGrp="1"/>
+            <a:spLocks xmlns:a="http://schemas.openxmlformats.org/drawingml/2006/main" noGrp="1"/>
           </p:cNvSpPr>
           <p:nvPr>
             <p:ph type="ftr"/>
           </p:nvPr>
         </p:nvSpPr>
         <p:spPr>
-          <a:xfrm rot="0">
+          <a:xfrm xmlns:a="http://schemas.openxmlformats.org/drawingml/2006/main" rot="0">
             <a:off x="677334" y="6041362"/>
             <a:ext cx="6297612" cy="365125"/>
           </a:xfrm>
-          <a:prstGeom prst="rect"/>
-          <a:noFill/>
-          <a:ln cmpd="sng" cap="flat">
+          <a:prstGeom xmlns:a="http://schemas.openxmlformats.org/drawingml/2006/main" prst="rect"/>
+          <a:noFill xmlns:a="http://schemas.openxmlformats.org/drawingml/2006/main"/>
+          <a:ln xmlns:a="http://schemas.openxmlformats.org/drawingml/2006/main" cmpd="sng" cap="flat">
             <a:noFill/>
             <a:prstDash val="solid"/>
             <a:miter/>
           </a:ln>
         </p:spPr>
         <p:txBody>
-          <a:bodyPr vert="horz" wrap="square" lIns="91440" tIns="45720" rIns="91440" bIns="45720" anchor="ctr" anchorCtr="0">
+          <a:bodyPr xmlns:a="http://schemas.openxmlformats.org/drawingml/2006/main" vert="horz" wrap="square" lIns="91440" tIns="45720" rIns="91440" bIns="45720" anchor="ctr" anchorCtr="0">
             <a:prstTxWarp prst="textNoShape"/>
           </a:bodyPr>
-          <a:lstStyle/>
-          <a:p>
+          <a:lstStyle xmlns:a="http://schemas.openxmlformats.org/drawingml/2006/main"/>
+          <a:p xmlns:a="http://schemas.openxmlformats.org/drawingml/2006/main">
             <a:pPr marL="0" indent="0" algn="l">
               <a:lnSpc>
                 <a:spcPct val="100000"/>
@@ -3321,31 +3321,31 @@
         <p:nvSpPr>
           <p:cNvPr id="39" name="文本框"/>
           <p:cNvSpPr>
-            <a:spLocks noGrp="1"/>
+            <a:spLocks xmlns:a="http://schemas.openxmlformats.org/drawingml/2006/main" noGrp="1"/>
           </p:cNvSpPr>
           <p:nvPr>
             <p:ph type="sldNum"/>
           </p:nvPr>
         </p:nvSpPr>
         <p:spPr>
-          <a:xfrm rot="0">
+          <a:xfrm xmlns:a="http://schemas.openxmlformats.org/drawingml/2006/main" rot="0">
             <a:off x="8590663" y="6041362"/>
             <a:ext cx="683339" cy="365125"/>
           </a:xfrm>
-          <a:prstGeom prst="rect"/>
-          <a:noFill/>
-          <a:ln cmpd="sng" cap="flat">
+          <a:prstGeom xmlns:a="http://schemas.openxmlformats.org/drawingml/2006/main" prst="rect"/>
+          <a:noFill xmlns:a="http://schemas.openxmlformats.org/drawingml/2006/main"/>
+          <a:ln xmlns:a="http://schemas.openxmlformats.org/drawingml/2006/main" cmpd="sng" cap="flat">
             <a:noFill/>
             <a:prstDash val="solid"/>
             <a:miter/>
           </a:ln>
         </p:spPr>
         <p:txBody>
-          <a:bodyPr vert="horz" wrap="square" lIns="91440" tIns="45720" rIns="91440" bIns="45720" anchor="ctr" anchorCtr="0">
+          <a:bodyPr xmlns:a="http://schemas.openxmlformats.org/drawingml/2006/main" vert="horz" wrap="square" lIns="91440" tIns="45720" rIns="91440" bIns="45720" anchor="ctr" anchorCtr="0">
             <a:prstTxWarp prst="textNoShape"/>
           </a:bodyPr>
-          <a:lstStyle/>
-          <a:p>
+          <a:lstStyle xmlns:a="http://schemas.openxmlformats.org/drawingml/2006/main"/>
+          <a:p xmlns:a="http://schemas.openxmlformats.org/drawingml/2006/main">
             <a:pPr marL="38100" indent="0" algn="r">
               <a:lnSpc>
                 <a:spcPct val="100000"/>
@@ -3383,12 +3383,12 @@
     </p:spTree>
     <p:extLst>
       <p:ext uri="{BB962C8B-B14F-4D97-AF65-F5344CB8AC3E}">
-        <p14:creationId xmlns:p14="http://schemas.microsoft.com/office/powerpoint/2010/main" val="274373296"/>
+        <p14:creationId xmlns:p14="http://schemas.microsoft.com/office/powerpoint/2010/main" val="300104945"/>
       </p:ext>
     </p:extLst>
   </p:cSld>
   <p:clrMapOvr>
-    <a:masterClrMapping/>
+    <a:masterClrMapping xmlns:a="http://schemas.openxmlformats.org/drawingml/2006/main"/>
   </p:clrMapOvr>
 </p:sldLayout>
 </file>
@@ -3553,7 +3553,7 @@
     </p:spTree>
     <p:extLst>
       <p:ext uri="{BB962C8B-B14F-4D97-AF65-F5344CB8AC3E}">
-        <p14:creationId xmlns:p14="http://schemas.microsoft.com/office/powerpoint/2010/main" val="493846157"/>
+        <p14:creationId xmlns:p14="http://schemas.microsoft.com/office/powerpoint/2010/main" val="314622534"/>
       </p:ext>
     </p:extLst>
   </p:cSld>
@@ -3733,7 +3733,7 @@
     </p:spTree>
     <p:extLst>
       <p:ext uri="{BB962C8B-B14F-4D97-AF65-F5344CB8AC3E}">
-        <p14:creationId xmlns:p14="http://schemas.microsoft.com/office/powerpoint/2010/main" val="694822185"/>
+        <p14:creationId xmlns:p14="http://schemas.microsoft.com/office/powerpoint/2010/main" val="1144617940"/>
       </p:ext>
     </p:extLst>
   </p:cSld>
@@ -4442,7 +4442,7 @@
     </p:spTree>
     <p:extLst>
       <p:ext uri="{BB962C8B-B14F-4D97-AF65-F5344CB8AC3E}">
-        <p14:creationId xmlns:p14="http://schemas.microsoft.com/office/powerpoint/2010/main" val="49953617"/>
+        <p14:creationId xmlns:p14="http://schemas.microsoft.com/office/powerpoint/2010/main" val="1979212312"/>
       </p:ext>
     </p:extLst>
   </p:cSld>
@@ -5220,7 +5220,7 @@
     </p:spTree>
     <p:extLst>
       <p:ext uri="{BB962C8B-B14F-4D97-AF65-F5344CB8AC3E}">
-        <p14:creationId xmlns:p14="http://schemas.microsoft.com/office/powerpoint/2010/main" val="2097370553"/>
+        <p14:creationId xmlns:p14="http://schemas.microsoft.com/office/powerpoint/2010/main" val="1034140460"/>
       </p:ext>
     </p:extLst>
   </p:cSld>
@@ -5860,7 +5860,7 @@
     </p:spTree>
     <p:extLst>
       <p:ext uri="{BB962C8B-B14F-4D97-AF65-F5344CB8AC3E}">
-        <p14:creationId xmlns:p14="http://schemas.microsoft.com/office/powerpoint/2010/main" val="1963850166"/>
+        <p14:creationId xmlns:p14="http://schemas.microsoft.com/office/powerpoint/2010/main" val="394912426"/>
       </p:ext>
     </p:extLst>
   </p:cSld>
@@ -6609,7 +6609,7 @@
     </p:spTree>
     <p:extLst>
       <p:ext uri="{BB962C8B-B14F-4D97-AF65-F5344CB8AC3E}">
-        <p14:creationId xmlns:p14="http://schemas.microsoft.com/office/powerpoint/2010/main" val="2029566238"/>
+        <p14:creationId xmlns:p14="http://schemas.microsoft.com/office/powerpoint/2010/main" val="480215935"/>
       </p:ext>
     </p:extLst>
   </p:cSld>
@@ -6779,7 +6779,7 @@
     </p:spTree>
     <p:extLst>
       <p:ext uri="{BB962C8B-B14F-4D97-AF65-F5344CB8AC3E}">
-        <p14:creationId xmlns:p14="http://schemas.microsoft.com/office/powerpoint/2010/main" val="1393994092"/>
+        <p14:creationId xmlns:p14="http://schemas.microsoft.com/office/powerpoint/2010/main" val="1547869163"/>
       </p:ext>
     </p:extLst>
   </p:cSld>
@@ -6971,7 +6971,7 @@
     </p:spTree>
     <p:extLst>
       <p:ext uri="{BB962C8B-B14F-4D97-AF65-F5344CB8AC3E}">
-        <p14:creationId xmlns:p14="http://schemas.microsoft.com/office/powerpoint/2010/main" val="963238089"/>
+        <p14:creationId xmlns:p14="http://schemas.microsoft.com/office/powerpoint/2010/main" val="936365889"/>
       </p:ext>
     </p:extLst>
   </p:cSld>
@@ -7259,7 +7259,7 @@
     </p:spTree>
     <p:extLst>
       <p:ext uri="{BB962C8B-B14F-4D97-AF65-F5344CB8AC3E}">
-        <p14:creationId xmlns:p14="http://schemas.microsoft.com/office/powerpoint/2010/main" val="502919558"/>
+        <p14:creationId xmlns:p14="http://schemas.microsoft.com/office/powerpoint/2010/main" val="2079570876"/>
       </p:ext>
     </p:extLst>
   </p:cSld>
@@ -7681,7 +7681,7 @@
     </p:spTree>
     <p:extLst>
       <p:ext uri="{BB962C8B-B14F-4D97-AF65-F5344CB8AC3E}">
-        <p14:creationId xmlns:p14="http://schemas.microsoft.com/office/powerpoint/2010/main" val="1782775752"/>
+        <p14:creationId xmlns:p14="http://schemas.microsoft.com/office/powerpoint/2010/main" val="2038595634"/>
       </p:ext>
     </p:extLst>
   </p:cSld>
@@ -7799,7 +7799,7 @@
     </p:spTree>
     <p:extLst>
       <p:ext uri="{BB962C8B-B14F-4D97-AF65-F5344CB8AC3E}">
-        <p14:creationId xmlns:p14="http://schemas.microsoft.com/office/powerpoint/2010/main" val="1611850619"/>
+        <p14:creationId xmlns:p14="http://schemas.microsoft.com/office/powerpoint/2010/main" val="1608230810"/>
       </p:ext>
     </p:extLst>
   </p:cSld>
@@ -7894,7 +7894,7 @@
     </p:spTree>
     <p:extLst>
       <p:ext uri="{BB962C8B-B14F-4D97-AF65-F5344CB8AC3E}">
-        <p14:creationId xmlns:p14="http://schemas.microsoft.com/office/powerpoint/2010/main" val="537485905"/>
+        <p14:creationId xmlns:p14="http://schemas.microsoft.com/office/powerpoint/2010/main" val="1315306506"/>
       </p:ext>
     </p:extLst>
   </p:cSld>
@@ -8171,7 +8171,7 @@
     </p:spTree>
     <p:extLst>
       <p:ext uri="{BB962C8B-B14F-4D97-AF65-F5344CB8AC3E}">
-        <p14:creationId xmlns:p14="http://schemas.microsoft.com/office/powerpoint/2010/main" val="614222713"/>
+        <p14:creationId xmlns:p14="http://schemas.microsoft.com/office/powerpoint/2010/main" val="799897183"/>
       </p:ext>
     </p:extLst>
   </p:cSld>
@@ -8424,7 +8424,7 @@
     </p:spTree>
     <p:extLst>
       <p:ext uri="{BB962C8B-B14F-4D97-AF65-F5344CB8AC3E}">
-        <p14:creationId xmlns:p14="http://schemas.microsoft.com/office/powerpoint/2010/main" val="1160265395"/>
+        <p14:creationId xmlns:p14="http://schemas.microsoft.com/office/powerpoint/2010/main" val="1325932913"/>
       </p:ext>
     </p:extLst>
   </p:cSld>
@@ -9144,7 +9144,7 @@
     </p:spTree>
     <p:extLst>
       <p:ext uri="{BB962C8B-B14F-4D97-AF65-F5344CB8AC3E}">
-        <p14:creationId xmlns:p14="http://schemas.microsoft.com/office/powerpoint/2010/main" val="1385715272"/>
+        <p14:creationId xmlns:p14="http://schemas.microsoft.com/office/powerpoint/2010/main" val="454770845"/>
       </p:ext>
     </p:extLst>
   </p:cSld>
@@ -10021,7 +10021,7 @@
     </p:spTree>
     <p:extLst>
       <p:ext uri="{BB962C8B-B14F-4D97-AF65-F5344CB8AC3E}">
-        <p14:creationId xmlns:p14="http://schemas.microsoft.com/office/powerpoint/2010/main" val="1423123827"/>
+        <p14:creationId xmlns:p14="http://schemas.microsoft.com/office/powerpoint/2010/main" val="380894974"/>
       </p:ext>
     </p:extLst>
   </p:cSld>
@@ -10439,7 +10439,7 @@
     </p:spTree>
     <p:extLst>
       <p:ext uri="{BB962C8B-B14F-4D97-AF65-F5344CB8AC3E}">
-        <p14:creationId xmlns:p14="http://schemas.microsoft.com/office/powerpoint/2010/main" val="456730433"/>
+        <p14:creationId xmlns:p14="http://schemas.microsoft.com/office/powerpoint/2010/main" val="369626920"/>
       </p:ext>
     </p:extLst>
   </p:cSld>
@@ -10701,7 +10701,7 @@
     </p:spTree>
     <p:extLst>
       <p:ext uri="{BB962C8B-B14F-4D97-AF65-F5344CB8AC3E}">
-        <p14:creationId xmlns:p14="http://schemas.microsoft.com/office/powerpoint/2010/main" val="392254874"/>
+        <p14:creationId xmlns:p14="http://schemas.microsoft.com/office/powerpoint/2010/main" val="1917557106"/>
       </p:ext>
     </p:extLst>
   </p:cSld>
@@ -10864,7 +10864,7 @@
     </p:spTree>
     <p:extLst>
       <p:ext uri="{BB962C8B-B14F-4D97-AF65-F5344CB8AC3E}">
-        <p14:creationId xmlns:p14="http://schemas.microsoft.com/office/powerpoint/2010/main" val="188598761"/>
+        <p14:creationId xmlns:p14="http://schemas.microsoft.com/office/powerpoint/2010/main" val="1226189613"/>
       </p:ext>
     </p:extLst>
   </p:cSld>
@@ -11027,7 +11027,7 @@
     </p:spTree>
     <p:extLst>
       <p:ext uri="{BB962C8B-B14F-4D97-AF65-F5344CB8AC3E}">
-        <p14:creationId xmlns:p14="http://schemas.microsoft.com/office/powerpoint/2010/main" val="2034086102"/>
+        <p14:creationId xmlns:p14="http://schemas.microsoft.com/office/powerpoint/2010/main" val="1648264886"/>
       </p:ext>
     </p:extLst>
   </p:cSld>
@@ -11483,7 +11483,7 @@
     </p:spTree>
     <p:extLst>
       <p:ext uri="{BB962C8B-B14F-4D97-AF65-F5344CB8AC3E}">
-        <p14:creationId xmlns:p14="http://schemas.microsoft.com/office/powerpoint/2010/main" val="240913586"/>
+        <p14:creationId xmlns:p14="http://schemas.microsoft.com/office/powerpoint/2010/main" val="480943615"/>
       </p:ext>
     </p:extLst>
   </p:cSld>
@@ -12086,7 +12086,7 @@
     </p:spTree>
     <p:extLst>
       <p:ext uri="{BB962C8B-B14F-4D97-AF65-F5344CB8AC3E}">
-        <p14:creationId xmlns:p14="http://schemas.microsoft.com/office/powerpoint/2010/main" val="991123898"/>
+        <p14:creationId xmlns:p14="http://schemas.microsoft.com/office/powerpoint/2010/main" val="1460671235"/>
       </p:ext>
     </p:extLst>
   </p:cSld>
@@ -12515,7 +12515,7 @@
     </p:spTree>
     <p:extLst>
       <p:ext uri="{BB962C8B-B14F-4D97-AF65-F5344CB8AC3E}">
-        <p14:creationId xmlns:p14="http://schemas.microsoft.com/office/powerpoint/2010/main" val="789071440"/>
+        <p14:creationId xmlns:p14="http://schemas.microsoft.com/office/powerpoint/2010/main" val="395428958"/>
       </p:ext>
     </p:extLst>
   </p:cSld>
@@ -13048,7 +13048,7 @@
     </p:spTree>
     <p:extLst>
       <p:ext uri="{BB962C8B-B14F-4D97-AF65-F5344CB8AC3E}">
-        <p14:creationId xmlns:p14="http://schemas.microsoft.com/office/powerpoint/2010/main" val="1871902280"/>
+        <p14:creationId xmlns:p14="http://schemas.microsoft.com/office/powerpoint/2010/main" val="1246705492"/>
       </p:ext>
     </p:extLst>
   </p:cSld>
@@ -13691,7 +13691,7 @@
     </p:spTree>
     <p:extLst>
       <p:ext uri="{BB962C8B-B14F-4D97-AF65-F5344CB8AC3E}">
-        <p14:creationId xmlns:p14="http://schemas.microsoft.com/office/powerpoint/2010/main" val="777024257"/>
+        <p14:creationId xmlns:p14="http://schemas.microsoft.com/office/powerpoint/2010/main" val="1763163156"/>
       </p:ext>
     </p:extLst>
   </p:cSld>
@@ -14359,7 +14359,7 @@
     </p:spTree>
     <p:extLst>
       <p:ext uri="{BB962C8B-B14F-4D97-AF65-F5344CB8AC3E}">
-        <p14:creationId xmlns:p14="http://schemas.microsoft.com/office/powerpoint/2010/main" val="954794489"/>
+        <p14:creationId xmlns:p14="http://schemas.microsoft.com/office/powerpoint/2010/main" val="1426845403"/>
       </p:ext>
     </p:extLst>
   </p:cSld>
@@ -14982,7 +14982,7 @@
     </p:spTree>
     <p:extLst>
       <p:ext uri="{BB962C8B-B14F-4D97-AF65-F5344CB8AC3E}">
-        <p14:creationId xmlns:p14="http://schemas.microsoft.com/office/powerpoint/2010/main" val="448318963"/>
+        <p14:creationId xmlns:p14="http://schemas.microsoft.com/office/powerpoint/2010/main" val="705383964"/>
       </p:ext>
     </p:extLst>
   </p:cSld>
